--- a/0_UTA_Student_Contest_DetailsforDiscussion.pptx
+++ b/0_UTA_Student_Contest_DetailsforDiscussion.pptx
@@ -1753,8 +1753,8 @@
         </p:nvSpPr>
         <p:spPr>
           <a:xfrm>
-            <a:off x="1143225" y="685800"/>
-            <a:ext cx="4572225" cy="3429000"/>
+            <a:off x="381000" y="685800"/>
+            <a:ext cx="6096000" cy="3429000"/>
           </a:xfrm>
           <a:custGeom>
             <a:avLst/>
@@ -49309,7 +49309,7 @@
                 <a:buChar char="•"/>
               </a:pPr>
               <a:r>
-                <a:rPr lang="en-US" sz="2200" b="0" i="1" u="none" strike="noStrike" cap="none">
+                <a:rPr lang="en-US" sz="2200" b="0" i="1" u="none" strike="noStrike" cap="none" dirty="0">
                   <a:solidFill>
                     <a:schemeClr val="dk1"/>
                   </a:solidFill>
@@ -49321,7 +49321,7 @@
                 <a:t>Problem</a:t>
               </a:r>
               <a:r>
-                <a:rPr lang="en-US" sz="2200" b="0" i="0" u="none" strike="noStrike" cap="none">
+                <a:rPr lang="en-US" sz="2200" b="0" i="0" u="none" strike="noStrike" cap="none" dirty="0">
                   <a:solidFill>
                     <a:schemeClr val="dk1"/>
                   </a:solidFill>
@@ -49332,7 +49332,7 @@
                 </a:rPr>
                 <a:t>: Given a marketing budget of $1 Million, how do you optimally allocate this budget across three digital channels (search, programmatic, social) and five audience types to maximize campaign returns? Following are the business constraints that need to be accounted for.</a:t>
               </a:r>
-              <a:endParaRPr/>
+              <a:endParaRPr dirty="0"/>
             </a:p>
             <a:p>
               <a:pPr marL="457200" marR="0" lvl="2" indent="-228600" algn="l" rtl="0">
@@ -49353,7 +49353,7 @@
                 <a:buChar char="o"/>
               </a:pPr>
               <a:r>
-                <a:rPr lang="en-US" sz="2200" b="0" i="0" u="none" strike="noStrike" cap="none">
+                <a:rPr lang="en-US" sz="2200" b="0" i="0" u="none" strike="noStrike" cap="none" dirty="0">
                   <a:solidFill>
                     <a:schemeClr val="dk1"/>
                   </a:solidFill>
@@ -49364,7 +49364,7 @@
                 </a:rPr>
                 <a:t>Spend allocation on each channel and audience type should not be more than 50% of budget and no less than 2% of the budget.</a:t>
               </a:r>
-              <a:endParaRPr/>
+              <a:endParaRPr dirty="0"/>
             </a:p>
             <a:p>
               <a:pPr marL="228600" marR="0" lvl="1" indent="-228600" algn="l" rtl="0">
@@ -49385,7 +49385,7 @@
                 <a:buNone/>
               </a:pPr>
               <a:r>
-                <a:rPr lang="en-US" sz="2000" b="0" i="1" u="sng" strike="noStrike" cap="none">
+                <a:rPr lang="en-US" sz="2000" b="0" i="1" u="sng" strike="noStrike" cap="none" dirty="0">
                   <a:solidFill>
                     <a:schemeClr val="dk1"/>
                   </a:solidFill>
@@ -49396,7 +49396,7 @@
                 </a:rPr>
                 <a:t>Students are strongly encouraged to develop their own metrics and methods. In the meantime, below are some useful hints.</a:t>
               </a:r>
-              <a:endParaRPr sz="2000" b="0" i="0" u="none" strike="noStrike" cap="none">
+              <a:endParaRPr sz="2000" b="0" i="0" u="none" strike="noStrike" cap="none" dirty="0">
                 <a:solidFill>
                   <a:schemeClr val="dk1"/>
                 </a:solidFill>
@@ -49425,7 +49425,7 @@
                 <a:buChar char="▪"/>
               </a:pPr>
               <a:r>
-                <a:rPr lang="en-US" sz="1800" b="0" i="0" u="none" strike="noStrike" cap="none">
+                <a:rPr lang="en-US" sz="1800" b="0" i="0" u="none" strike="noStrike" cap="none" dirty="0">
                   <a:solidFill>
                     <a:schemeClr val="dk1"/>
                   </a:solidFill>
@@ -49436,7 +49436,7 @@
                 </a:rPr>
                 <a:t>How can the campaign return be measured (e.g., click-through rate*, pay per click*) given the data we have**? </a:t>
               </a:r>
-              <a:endParaRPr/>
+              <a:endParaRPr dirty="0"/>
             </a:p>
             <a:p>
               <a:pPr marL="342900" marR="0" lvl="2" indent="-171450" algn="l" rtl="0">
@@ -49457,7 +49457,7 @@
                 <a:buChar char="▪"/>
               </a:pPr>
               <a:r>
-                <a:rPr lang="en-US" sz="1800" b="0" i="0" u="none" strike="noStrike" cap="none">
+                <a:rPr lang="en-US" sz="1800" b="0" i="0" u="none" strike="noStrike" cap="none" dirty="0">
                   <a:solidFill>
                     <a:schemeClr val="dk1"/>
                   </a:solidFill>
@@ -49468,7 +49468,7 @@
                 </a:rPr>
                 <a:t>What factors drive the campaign return? And what are their impacts? </a:t>
               </a:r>
-              <a:endParaRPr/>
+              <a:endParaRPr dirty="0"/>
             </a:p>
             <a:p>
               <a:pPr marL="342900" marR="0" lvl="2" indent="-171450" algn="l" rtl="0">
@@ -49489,7 +49489,7 @@
                 <a:buChar char="▪"/>
               </a:pPr>
               <a:r>
-                <a:rPr lang="en-US" sz="1800" b="0" i="0" u="none" strike="noStrike" cap="none">
+                <a:rPr lang="en-US" sz="1800" b="0" i="0" u="none" strike="noStrike" cap="none" dirty="0">
                   <a:solidFill>
                     <a:schemeClr val="dk1"/>
                   </a:solidFill>
@@ -49500,7 +49500,7 @@
                 </a:rPr>
                 <a:t>Given the impacts of digital drivers and audience types, how do you allocate the budget to maximize the campaign return?</a:t>
               </a:r>
-              <a:endParaRPr/>
+              <a:endParaRPr dirty="0"/>
             </a:p>
           </p:txBody>
         </p:sp>
@@ -49513,7 +49513,7 @@
         </p:nvSpPr>
         <p:spPr>
           <a:xfrm>
-            <a:off x="256309" y="-64093"/>
+            <a:off x="256309" y="-150356"/>
             <a:ext cx="11484901" cy="765288"/>
           </a:xfrm>
           <a:prstGeom prst="rect">
@@ -50796,7 +50796,7 @@
         </p:nvSpPr>
         <p:spPr>
           <a:xfrm>
-            <a:off x="3210214" y="639135"/>
+            <a:off x="3210214" y="0"/>
             <a:ext cx="3035799" cy="4754072"/>
           </a:xfrm>
           <a:prstGeom prst="rect">
@@ -50831,7 +50831,7 @@
               <a:buAutoNum type="arabicPeriod"/>
             </a:pPr>
             <a:r>
-              <a:rPr lang="en-US" sz="1600">
+              <a:rPr lang="en-US" sz="1600" dirty="0">
                 <a:solidFill>
                   <a:schemeClr val="dk1"/>
                 </a:solidFill>
@@ -50842,7 +50842,7 @@
               </a:rPr>
               <a:t>In a search engine (Google, Bing, etc.), the audience searches certain keywords, for example, “edge to cloud solutions”</a:t>
             </a:r>
-            <a:endParaRPr/>
+            <a:endParaRPr dirty="0"/>
           </a:p>
           <a:p>
             <a:pPr marL="342900" marR="0" lvl="0" indent="-342900" algn="l" rtl="0">
@@ -50863,7 +50863,7 @@
               <a:buAutoNum type="arabicPeriod"/>
             </a:pPr>
             <a:r>
-              <a:rPr lang="en-US" sz="1600">
+              <a:rPr lang="en-US" sz="1600" dirty="0">
                 <a:solidFill>
                   <a:schemeClr val="dk1"/>
                 </a:solidFill>
@@ -50875,7 +50875,7 @@
               <a:t>The ad is displayed in the search result. This is collected as one </a:t>
             </a:r>
             <a:r>
-              <a:rPr lang="en-US" sz="1600" b="1">
+              <a:rPr lang="en-US" sz="1600" b="1" dirty="0">
                 <a:solidFill>
                   <a:schemeClr val="dk1"/>
                 </a:solidFill>
@@ -50887,7 +50887,7 @@
               <a:t>impression</a:t>
             </a:r>
             <a:r>
-              <a:rPr lang="en-US" sz="1600">
+              <a:rPr lang="en-US" sz="1600" dirty="0">
                 <a:solidFill>
                   <a:schemeClr val="dk1"/>
                 </a:solidFill>
@@ -50898,7 +50898,7 @@
               </a:rPr>
               <a:t> in the backend data.</a:t>
             </a:r>
-            <a:endParaRPr/>
+            <a:endParaRPr dirty="0"/>
           </a:p>
           <a:p>
             <a:pPr marL="342900" marR="0" lvl="0" indent="-342900" algn="l" rtl="0">
@@ -50919,7 +50919,7 @@
               <a:buAutoNum type="arabicPeriod"/>
             </a:pPr>
             <a:r>
-              <a:rPr lang="en-US" sz="1600">
+              <a:rPr lang="en-US" sz="1600" dirty="0">
                 <a:solidFill>
                   <a:schemeClr val="dk1"/>
                 </a:solidFill>
@@ -50931,7 +50931,7 @@
               <a:t>When the audience clicks on the ad, the page is directed to the company website. This is collected as one </a:t>
             </a:r>
             <a:r>
-              <a:rPr lang="en-US" sz="1600" b="1">
+              <a:rPr lang="en-US" sz="1600" b="1" dirty="0">
                 <a:solidFill>
                   <a:schemeClr val="dk1"/>
                 </a:solidFill>
@@ -50943,7 +50943,7 @@
               <a:t>click </a:t>
             </a:r>
             <a:r>
-              <a:rPr lang="en-US" sz="1600">
+              <a:rPr lang="en-US" sz="1600" dirty="0">
                 <a:solidFill>
                   <a:schemeClr val="dk1"/>
                 </a:solidFill>
@@ -50954,7 +50954,7 @@
               </a:rPr>
               <a:t>in the backend data.</a:t>
             </a:r>
-            <a:endParaRPr/>
+            <a:endParaRPr dirty="0"/>
           </a:p>
           <a:p>
             <a:pPr marL="342900" marR="0" lvl="0" indent="-342900" algn="l" rtl="0">
@@ -50975,7 +50975,7 @@
               <a:buAutoNum type="arabicPeriod"/>
             </a:pPr>
             <a:r>
-              <a:rPr lang="en-US" sz="1600">
+              <a:rPr lang="en-US" sz="1600" dirty="0">
                 <a:solidFill>
                   <a:schemeClr val="dk1"/>
                 </a:solidFill>
@@ -50987,7 +50987,7 @@
               <a:t>When the audience lands on the company website, this is collected as one </a:t>
             </a:r>
             <a:r>
-              <a:rPr lang="en-US" sz="1600" b="1">
+              <a:rPr lang="en-US" sz="1600" b="1" dirty="0">
                 <a:solidFill>
                   <a:schemeClr val="dk1"/>
                 </a:solidFill>
@@ -50999,7 +50999,7 @@
               <a:t>web visit </a:t>
             </a:r>
             <a:r>
-              <a:rPr lang="en-US" sz="1600">
+              <a:rPr lang="en-US" sz="1600" dirty="0">
                 <a:solidFill>
                   <a:schemeClr val="dk1"/>
                 </a:solidFill>
@@ -51010,7 +51010,7 @@
               </a:rPr>
               <a:t>in the backend data.</a:t>
             </a:r>
-            <a:endParaRPr/>
+            <a:endParaRPr dirty="0"/>
           </a:p>
           <a:p>
             <a:pPr marL="342900" marR="0" lvl="0" indent="-342900" algn="l" rtl="0">
@@ -51031,7 +51031,7 @@
               <a:buAutoNum type="arabicPeriod"/>
             </a:pPr>
             <a:r>
-              <a:rPr lang="en-US" sz="1600">
+              <a:rPr lang="en-US" sz="1600" dirty="0">
                 <a:solidFill>
                   <a:schemeClr val="dk1"/>
                 </a:solidFill>
@@ -51043,7 +51043,7 @@
               <a:t>On the company website, the audience’s actions are collected in the backend data, for example, </a:t>
             </a:r>
             <a:r>
-              <a:rPr lang="en-US" sz="1600" b="1">
+              <a:rPr lang="en-US" sz="1600" b="1" dirty="0">
                 <a:solidFill>
                   <a:schemeClr val="dk1"/>
                 </a:solidFill>
@@ -51055,7 +51055,7 @@
               <a:t>collateral view</a:t>
             </a:r>
             <a:r>
-              <a:rPr lang="en-US" sz="1600">
+              <a:rPr lang="en-US" sz="1600" dirty="0">
                 <a:solidFill>
                   <a:schemeClr val="dk1"/>
                 </a:solidFill>
@@ -51066,7 +51066,7 @@
               </a:rPr>
               <a:t>.</a:t>
             </a:r>
-            <a:endParaRPr sz="1600">
+            <a:endParaRPr sz="1600" dirty="0">
               <a:solidFill>
                 <a:schemeClr val="dk1"/>
               </a:solidFill>

--- a/0_UTA_Student_Contest_DetailsforDiscussion.pptx
+++ b/0_UTA_Student_Contest_DetailsforDiscussion.pptx
@@ -1441,8 +1441,8 @@
         </p:nvSpPr>
         <p:spPr>
           <a:xfrm>
-            <a:off x="1143225" y="685800"/>
-            <a:ext cx="4572225" cy="3429000"/>
+            <a:off x="381000" y="685800"/>
+            <a:ext cx="6096000" cy="3429000"/>
           </a:xfrm>
           <a:custGeom>
             <a:avLst/>
@@ -45604,10 +45604,10 @@
               <a:buChar char="•"/>
             </a:pPr>
             <a:r>
-              <a:rPr lang="en-US"/>
+              <a:rPr lang="en-US" dirty="0"/>
               <a:t>Participants will receive a link via email to access the problem statement and the data on the google drive. The following files can be found.</a:t>
             </a:r>
-            <a:endParaRPr/>
+            <a:endParaRPr dirty="0"/>
           </a:p>
           <a:p>
             <a:pPr marL="411480" lvl="1" indent="-182880" algn="l" rtl="0">
@@ -45625,10 +45625,10 @@
               <a:buChar char="o"/>
             </a:pPr>
             <a:r>
-              <a:rPr lang="en-US"/>
+              <a:rPr lang="en-US" dirty="0"/>
               <a:t>0_UTA_Student_Contest_DetailsforDiscussion.pptx</a:t>
             </a:r>
-            <a:endParaRPr/>
+            <a:endParaRPr dirty="0"/>
           </a:p>
           <a:p>
             <a:pPr marL="411480" lvl="1" indent="-182880" algn="l" rtl="0">
@@ -45646,10 +45646,10 @@
               <a:buChar char="o"/>
             </a:pPr>
             <a:r>
-              <a:rPr lang="en-US"/>
+              <a:rPr lang="en-US" dirty="0"/>
               <a:t>1_data_dictionary.xlsx</a:t>
             </a:r>
-            <a:endParaRPr/>
+            <a:endParaRPr dirty="0"/>
           </a:p>
           <a:p>
             <a:pPr marL="411480" lvl="1" indent="-182880" algn="l" rtl="0">
@@ -45667,10 +45667,10 @@
               <a:buChar char="o"/>
             </a:pPr>
             <a:r>
-              <a:rPr lang="en-US"/>
+              <a:rPr lang="en-US" dirty="0"/>
               <a:t>2_data.csv</a:t>
             </a:r>
-            <a:endParaRPr/>
+            <a:endParaRPr dirty="0"/>
           </a:p>
           <a:p>
             <a:pPr marL="411480" lvl="1" indent="-182880" algn="l" rtl="0">
@@ -45688,10 +45688,10 @@
               <a:buChar char="o"/>
             </a:pPr>
             <a:r>
-              <a:rPr lang="en-US"/>
+              <a:rPr lang="en-US" dirty="0"/>
               <a:t>3_report_template.docx</a:t>
             </a:r>
-            <a:endParaRPr/>
+            <a:endParaRPr dirty="0"/>
           </a:p>
           <a:p>
             <a:pPr marL="228600" lvl="1" indent="0" algn="l" rtl="0">
@@ -45708,11 +45708,11 @@
               <a:buNone/>
             </a:pPr>
             <a:r>
-              <a:rPr lang="en-US"/>
+              <a:rPr lang="en-US" dirty="0"/>
               <a:t>Downloading Link: </a:t>
             </a:r>
             <a:r>
-              <a:rPr lang="en-US" u="sng">
+              <a:rPr lang="en-US" u="sng" dirty="0">
                 <a:solidFill>
                   <a:schemeClr val="hlink"/>
                 </a:solidFill>
@@ -45721,7 +45721,7 @@
               <a:t>https://drive.google.com/drive/folders/1_EcrR0sEX1GLj4G1PBqFhOjcY0mQMfyA?usp=sharing</a:t>
             </a:r>
             <a:r>
-              <a:rPr lang="en-US" u="sng">
+              <a:rPr lang="en-US" u="sng" dirty="0">
                 <a:latin typeface="Calibri"/>
                 <a:ea typeface="Calibri"/>
                 <a:cs typeface="Calibri"/>
@@ -45729,7 +45729,7 @@
               </a:rPr>
               <a:t> </a:t>
             </a:r>
-            <a:endParaRPr/>
+            <a:endParaRPr dirty="0"/>
           </a:p>
           <a:p>
             <a:pPr marL="182880" lvl="0" indent="-182880" algn="l" rtl="0">
@@ -45746,11 +45746,11 @@
               <a:buChar char="•"/>
             </a:pPr>
             <a:r>
-              <a:rPr lang="en-US"/>
+              <a:rPr lang="en-US" dirty="0"/>
               <a:t>Participants will submit the final report presentation with results to </a:t>
             </a:r>
             <a:r>
-              <a:rPr lang="en-US" u="sng">
+              <a:rPr lang="en-US" u="sng" dirty="0">
                 <a:solidFill>
                   <a:schemeClr val="hlink"/>
                 </a:solidFill>
@@ -45759,10 +45759,10 @@
               <a:t>utacontest2023@gmail.com</a:t>
             </a:r>
             <a:r>
-              <a:rPr lang="en-US"/>
+              <a:rPr lang="en-US" dirty="0"/>
               <a:t> for evaluation.</a:t>
             </a:r>
-            <a:endParaRPr/>
+            <a:endParaRPr dirty="0"/>
           </a:p>
           <a:p>
             <a:pPr marL="411480" lvl="1" indent="-182880" algn="l" rtl="0">
@@ -45780,10 +45780,10 @@
               <a:buChar char="o"/>
             </a:pPr>
             <a:r>
-              <a:rPr lang="en-US"/>
+              <a:rPr lang="en-US" dirty="0"/>
               <a:t>Report in word document or ppt</a:t>
             </a:r>
-            <a:endParaRPr/>
+            <a:endParaRPr dirty="0"/>
           </a:p>
         </p:txBody>
       </p:sp>
@@ -45928,7 +45928,7 @@
               <a:buNone/>
             </a:pPr>
             <a:r>
-              <a:rPr lang="en-US" sz="1600">
+              <a:rPr lang="en-US" sz="1600" dirty="0">
                 <a:solidFill>
                   <a:schemeClr val="dk1"/>
                 </a:solidFill>
@@ -45940,7 +45940,7 @@
               <a:t>(For questions, please do not hesitate to send emails to  </a:t>
             </a:r>
             <a:r>
-              <a:rPr lang="en-US" sz="2000" u="sng">
+              <a:rPr lang="en-US" sz="2000" u="sng" dirty="0">
                 <a:solidFill>
                   <a:schemeClr val="hlink"/>
                 </a:solidFill>
@@ -45949,7 +45949,7 @@
               <a:t>utacontest2023@gmail.com</a:t>
             </a:r>
             <a:r>
-              <a:rPr lang="en-US" sz="1600">
+              <a:rPr lang="en-US" sz="1600" dirty="0">
                 <a:solidFill>
                   <a:schemeClr val="dk1"/>
                 </a:solidFill>
@@ -45961,7 +45961,7 @@
               <a:t> or Dr. Zainab Jamal by </a:t>
             </a:r>
             <a:r>
-              <a:rPr lang="en-US" sz="1600" u="sng">
+              <a:rPr lang="en-US" sz="1600" u="sng" dirty="0">
                 <a:solidFill>
                   <a:schemeClr val="dk1"/>
                 </a:solidFill>
@@ -45980,7 +45980,7 @@
               <a:t>zainab.jamal@hpe.com</a:t>
             </a:r>
             <a:r>
-              <a:rPr lang="en-US" sz="1600">
+              <a:rPr lang="en-US" sz="1600" dirty="0">
                 <a:solidFill>
                   <a:schemeClr val="dk1"/>
                 </a:solidFill>
@@ -45991,7 +45991,7 @@
               </a:rPr>
               <a:t>.)</a:t>
             </a:r>
-            <a:endParaRPr/>
+            <a:endParaRPr dirty="0"/>
           </a:p>
           <a:p>
             <a:pPr marL="0" marR="0" lvl="0" indent="0" algn="l" rtl="0">
@@ -46006,7 +46006,7 @@
               </a:spcAft>
               <a:buNone/>
             </a:pPr>
-            <a:endParaRPr sz="1600">
+            <a:endParaRPr sz="1600" dirty="0">
               <a:solidFill>
                 <a:schemeClr val="dk1"/>
               </a:solidFill>
@@ -48330,10 +48330,10 @@
               <a:buNone/>
             </a:pPr>
             <a:r>
-              <a:rPr lang="en-US"/>
+              <a:rPr lang="en-US" dirty="0"/>
               <a:t>PROBLEM STATEMENT: BACKGROUND</a:t>
             </a:r>
-            <a:endParaRPr/>
+            <a:endParaRPr dirty="0"/>
           </a:p>
         </p:txBody>
       </p:sp>
@@ -48448,10 +48448,10 @@
         </p:nvGrpSpPr>
         <p:grpSpPr>
           <a:xfrm>
-            <a:off x="4076700" y="570675"/>
-            <a:ext cx="7734300" cy="5122079"/>
-            <a:chOff x="0" y="238887"/>
-            <a:chExt cx="7734300" cy="5122079"/>
+            <a:off x="4076700" y="396118"/>
+            <a:ext cx="7941428" cy="5296636"/>
+            <a:chOff x="0" y="64330"/>
+            <a:chExt cx="7941428" cy="5296636"/>
           </a:xfrm>
         </p:grpSpPr>
         <p:sp>
@@ -48593,8 +48593,8 @@
           </p:nvSpPr>
           <p:spPr>
             <a:xfrm>
-              <a:off x="2672561" y="299474"/>
-              <a:ext cx="5051801" cy="2321428"/>
+              <a:off x="2196083" y="64330"/>
+              <a:ext cx="5745345" cy="2560804"/>
             </a:xfrm>
             <a:prstGeom prst="rect">
               <a:avLst/>
@@ -48628,7 +48628,7 @@
                 <a:buNone/>
               </a:pPr>
               <a:r>
-                <a:rPr lang="en-US" sz="1900">
+                <a:rPr lang="en-US" sz="1900" dirty="0">
                   <a:solidFill>
                     <a:schemeClr val="dk1"/>
                   </a:solidFill>
@@ -48639,7 +48639,7 @@
                 </a:rPr>
                 <a:t>Kelly works in the marketing team for Super Server Company. To support a new branding initiative, the team is planning for the upcoming campaigns reaching the target audience by ads through different digital channels (e.g., paid search, social). Given the fixed budget, they would like to maximize the campaign return measured by audience responses and costs. </a:t>
               </a:r>
-              <a:endParaRPr/>
+              <a:endParaRPr dirty="0"/>
             </a:p>
           </p:txBody>
         </p:sp>
@@ -48971,7 +48971,7 @@
         </p:spPr>
         <p:txBody>
           <a:bodyPr spcFirstLastPara="1" wrap="square" lIns="0" tIns="0" rIns="0" bIns="0" anchor="b" anchorCtr="0">
-            <a:normAutofit/>
+            <a:normAutofit fontScale="90000"/>
           </a:bodyPr>
           <a:lstStyle/>
           <a:p>
@@ -48993,10 +48993,10 @@
               <a:buNone/>
             </a:pPr>
             <a:r>
-              <a:rPr lang="en-US"/>
+              <a:rPr lang="en-US" dirty="0"/>
               <a:t>PROBLEM STATEMENT: QUESTIONS</a:t>
             </a:r>
-            <a:endParaRPr/>
+            <a:endParaRPr dirty="0"/>
           </a:p>
         </p:txBody>
       </p:sp>
@@ -49213,7 +49213,7 @@
                 <a:buNone/>
               </a:pPr>
               <a:r>
-                <a:rPr lang="en-US" sz="2400">
+                <a:rPr lang="en-US" sz="2400" dirty="0">
                   <a:solidFill>
                     <a:schemeClr val="lt1"/>
                   </a:solidFill>
@@ -49224,7 +49224,7 @@
                 </a:rPr>
                 <a:t>Marketing Campaign Budget Allocation Optimization</a:t>
               </a:r>
-              <a:endParaRPr/>
+              <a:endParaRPr dirty="0"/>
             </a:p>
           </p:txBody>
         </p:sp>
@@ -53693,10 +53693,10 @@
               <a:buAutoNum type="arabicPeriod"/>
             </a:pPr>
             <a:r>
-              <a:rPr lang="en-US" sz="1700" b="1"/>
+              <a:rPr lang="en-US" sz="1700" b="1" dirty="0"/>
               <a:t>Abstract</a:t>
             </a:r>
-            <a:endParaRPr/>
+            <a:endParaRPr dirty="0"/>
           </a:p>
           <a:p>
             <a:pPr marL="411480" lvl="1" indent="-182880" algn="l" rtl="0">
@@ -53713,10 +53713,10 @@
               <a:buChar char="•"/>
             </a:pPr>
             <a:r>
-              <a:rPr lang="en-US" sz="1700"/>
+              <a:rPr lang="en-US" sz="1700" dirty="0"/>
               <a:t>1 sentence explaining the purpose and importance of the work</a:t>
             </a:r>
-            <a:endParaRPr/>
+            <a:endParaRPr dirty="0"/>
           </a:p>
           <a:p>
             <a:pPr marL="411480" lvl="1" indent="-182880" algn="l" rtl="0">
@@ -53733,10 +53733,10 @@
               <a:buChar char="•"/>
             </a:pPr>
             <a:r>
-              <a:rPr lang="en-US" sz="1700"/>
+              <a:rPr lang="en-US" sz="1700" dirty="0"/>
               <a:t>1-2 sentences describing the methods</a:t>
             </a:r>
-            <a:endParaRPr/>
+            <a:endParaRPr dirty="0"/>
           </a:p>
           <a:p>
             <a:pPr marL="411480" lvl="1" indent="-182880" algn="l" rtl="0">
@@ -53753,10 +53753,10 @@
               <a:buChar char="•"/>
             </a:pPr>
             <a:r>
-              <a:rPr lang="en-US" sz="1700"/>
+              <a:rPr lang="en-US" sz="1700" dirty="0"/>
               <a:t>2-3 sentences describing the results and conclusions</a:t>
             </a:r>
-            <a:endParaRPr/>
+            <a:endParaRPr dirty="0"/>
           </a:p>
           <a:p>
             <a:pPr marL="457200" lvl="0" indent="-457200" algn="l" rtl="0">
@@ -53774,10 +53774,10 @@
               <a:buAutoNum type="arabicPeriod"/>
             </a:pPr>
             <a:r>
-              <a:rPr lang="en-US" sz="1700" b="1"/>
+              <a:rPr lang="en-US" sz="1700" b="1" dirty="0"/>
               <a:t>Introduction</a:t>
             </a:r>
-            <a:endParaRPr/>
+            <a:endParaRPr dirty="0"/>
           </a:p>
           <a:p>
             <a:pPr marL="411480" lvl="1" indent="-182880" algn="l" rtl="0">
@@ -53794,10 +53794,10 @@
               <a:buChar char="•"/>
             </a:pPr>
             <a:r>
-              <a:rPr lang="en-US" sz="1700"/>
+              <a:rPr lang="en-US" sz="1700" dirty="0"/>
               <a:t>State the purpose and explain the importance of the work</a:t>
             </a:r>
-            <a:endParaRPr/>
+            <a:endParaRPr dirty="0"/>
           </a:p>
           <a:p>
             <a:pPr marL="457200" lvl="0" indent="-457200" algn="l" rtl="0">
@@ -53815,10 +53815,10 @@
               <a:buAutoNum type="arabicPeriod"/>
             </a:pPr>
             <a:r>
-              <a:rPr lang="en-US" sz="1700" b="1"/>
+              <a:rPr lang="en-US" sz="1700" b="1" dirty="0"/>
               <a:t>Solutions</a:t>
             </a:r>
-            <a:endParaRPr/>
+            <a:endParaRPr dirty="0"/>
           </a:p>
           <a:p>
             <a:pPr marL="411480" lvl="1" indent="-182880" algn="l" rtl="0">
@@ -53835,10 +53835,10 @@
               <a:buChar char="•"/>
             </a:pPr>
             <a:r>
-              <a:rPr lang="en-US" sz="1700"/>
+              <a:rPr lang="en-US" sz="1700" dirty="0"/>
               <a:t>Describe the solution formulation</a:t>
             </a:r>
-            <a:endParaRPr/>
+            <a:endParaRPr dirty="0"/>
           </a:p>
           <a:p>
             <a:pPr marL="411480" lvl="1" indent="-182880" algn="l" rtl="0">
@@ -53855,10 +53855,10 @@
               <a:buChar char="•"/>
             </a:pPr>
             <a:r>
-              <a:rPr lang="en-US" sz="1700"/>
+              <a:rPr lang="en-US" sz="1700" dirty="0"/>
               <a:t>Describe the solution implementation</a:t>
             </a:r>
-            <a:endParaRPr/>
+            <a:endParaRPr dirty="0"/>
           </a:p>
           <a:p>
             <a:pPr marL="411480" lvl="1" indent="-182880" algn="l" rtl="0">
@@ -53875,10 +53875,10 @@
               <a:buChar char="•"/>
             </a:pPr>
             <a:r>
-              <a:rPr lang="en-US" sz="1700"/>
+              <a:rPr lang="en-US" sz="1700" dirty="0"/>
               <a:t>Provide the model evaluation metrics if the statistics or math models are used</a:t>
             </a:r>
-            <a:endParaRPr/>
+            <a:endParaRPr dirty="0"/>
           </a:p>
           <a:p>
             <a:pPr marL="457200" lvl="0" indent="-457200" algn="l" rtl="0">
@@ -53896,10 +53896,10 @@
               <a:buAutoNum type="arabicPeriod"/>
             </a:pPr>
             <a:r>
-              <a:rPr lang="en-US" sz="1700" b="1"/>
+              <a:rPr lang="en-US" sz="1700" b="1" dirty="0"/>
               <a:t>Results (Answers to the Asked Questions)</a:t>
             </a:r>
-            <a:endParaRPr/>
+            <a:endParaRPr dirty="0"/>
           </a:p>
           <a:p>
             <a:pPr marL="411480" lvl="1" indent="-182880" algn="l" rtl="0">
@@ -53916,10 +53916,10 @@
               <a:buChar char="•"/>
             </a:pPr>
             <a:r>
-              <a:rPr lang="en-US" sz="1700"/>
+              <a:rPr lang="en-US" sz="1700" dirty="0"/>
               <a:t>Describe the optimal budget plan for each digital driver and audience type</a:t>
             </a:r>
-            <a:endParaRPr/>
+            <a:endParaRPr dirty="0"/>
           </a:p>
           <a:p>
             <a:pPr marL="411480" lvl="1" indent="-182880" algn="l" rtl="0">
@@ -53936,10 +53936,10 @@
               <a:buChar char="•"/>
             </a:pPr>
             <a:r>
-              <a:rPr lang="en-US" sz="1700"/>
+              <a:rPr lang="en-US" sz="1700" dirty="0"/>
               <a:t>Justify the optimal budget plan</a:t>
             </a:r>
-            <a:endParaRPr/>
+            <a:endParaRPr dirty="0"/>
           </a:p>
           <a:p>
             <a:pPr marL="457200" lvl="0" indent="-457200" algn="l" rtl="0">
@@ -53957,10 +53957,10 @@
               <a:buAutoNum type="arabicPeriod"/>
             </a:pPr>
             <a:r>
-              <a:rPr lang="en-US" sz="1700" b="1"/>
+              <a:rPr lang="en-US" sz="1700" b="1" dirty="0"/>
               <a:t>Conclusions</a:t>
             </a:r>
-            <a:endParaRPr/>
+            <a:endParaRPr dirty="0"/>
           </a:p>
           <a:p>
             <a:pPr marL="411480" lvl="1" indent="-182880" algn="l" rtl="0">
@@ -53977,10 +53977,10 @@
               <a:buChar char="•"/>
             </a:pPr>
             <a:r>
-              <a:rPr lang="en-US" sz="1700"/>
+              <a:rPr lang="en-US" sz="1700" dirty="0"/>
               <a:t>Summarize the results</a:t>
             </a:r>
-            <a:endParaRPr/>
+            <a:endParaRPr dirty="0"/>
           </a:p>
           <a:p>
             <a:pPr marL="411480" lvl="1" indent="-182880" algn="l" rtl="0">
@@ -53997,10 +53997,10 @@
               <a:buChar char="•"/>
             </a:pPr>
             <a:r>
-              <a:rPr lang="en-US" sz="1700"/>
+              <a:rPr lang="en-US" sz="1700" dirty="0"/>
               <a:t>Discuss the limitations</a:t>
             </a:r>
-            <a:endParaRPr/>
+            <a:endParaRPr dirty="0"/>
           </a:p>
           <a:p>
             <a:pPr marL="411480" lvl="1" indent="-182880" algn="l" rtl="0">
@@ -54017,10 +54017,10 @@
               <a:buChar char="•"/>
             </a:pPr>
             <a:r>
-              <a:rPr lang="en-US" sz="1700"/>
+              <a:rPr lang="en-US" sz="1700" dirty="0"/>
               <a:t>Discuss the recommendations for the next step </a:t>
             </a:r>
-            <a:endParaRPr/>
+            <a:endParaRPr dirty="0"/>
           </a:p>
           <a:p>
             <a:pPr marL="228600" lvl="1" indent="0" algn="l" rtl="0">
@@ -54037,7 +54037,7 @@
               <a:buFont typeface="Arial"/>
               <a:buNone/>
             </a:pPr>
-            <a:endParaRPr sz="1700"/>
+            <a:endParaRPr sz="1700" dirty="0"/>
           </a:p>
           <a:p>
             <a:pPr marL="228600" lvl="1" indent="0" algn="l" rtl="0">
@@ -54055,10 +54055,10 @@
               <a:buNone/>
             </a:pPr>
             <a:r>
-              <a:rPr lang="en-US" sz="1700"/>
+              <a:rPr lang="en-US" sz="1700" dirty="0"/>
               <a:t>(Template is provided.)</a:t>
             </a:r>
-            <a:endParaRPr/>
+            <a:endParaRPr dirty="0"/>
           </a:p>
           <a:p>
             <a:pPr marL="182880" lvl="0" indent="-74929" algn="l" rtl="0">
@@ -54074,7 +54074,7 @@
               <a:buSzPts val="1700"/>
               <a:buNone/>
             </a:pPr>
-            <a:endParaRPr sz="1700"/>
+            <a:endParaRPr sz="1700" dirty="0"/>
           </a:p>
         </p:txBody>
       </p:sp>
